--- a/Flights Delays project.pptx
+++ b/Flights Delays project.pptx
@@ -6,11 +6,12 @@
   </p:sldMasterIdLst>
   <p:sldIdLst>
     <p:sldId id="256" r:id="rId2"/>
-    <p:sldId id="257" r:id="rId3"/>
-    <p:sldId id="258" r:id="rId4"/>
-    <p:sldId id="259" r:id="rId5"/>
-    <p:sldId id="260" r:id="rId6"/>
-    <p:sldId id="261" r:id="rId7"/>
+    <p:sldId id="260" r:id="rId3"/>
+    <p:sldId id="262" r:id="rId4"/>
+    <p:sldId id="257" r:id="rId5"/>
+    <p:sldId id="258" r:id="rId6"/>
+    <p:sldId id="259" r:id="rId7"/>
+    <p:sldId id="261" r:id="rId8"/>
   </p:sldIdLst>
   <p:sldSz cx="12192000" cy="6858000"/>
   <p:notesSz cx="6858000" cy="9144000"/>
@@ -282,7 +283,7 @@
           <a:p>
             <a:fld id="{72EA7947-E287-4738-8C82-07CE4F01EF03}" type="datetime2">
               <a:rPr lang="en-US" smtClean="0"/>
-              <a:t>Wednesday, June 21, 2023</a:t>
+              <a:t>Thursday, June 22, 2023</a:t>
             </a:fld>
             <a:endParaRPr lang="en-US" dirty="0"/>
           </a:p>
@@ -1318,7 +1319,7 @@
           <a:p>
             <a:fld id="{EE2EBD84-71F4-4271-8C46-0D47C0A9B12E}" type="datetime2">
               <a:rPr lang="en-US" smtClean="0"/>
-              <a:t>Wednesday, June 21, 2023</a:t>
+              <a:t>Thursday, June 22, 2023</a:t>
             </a:fld>
             <a:endParaRPr lang="en-US"/>
           </a:p>
@@ -1529,7 +1530,7 @@
           <a:p>
             <a:fld id="{ABAE0CE1-F450-4107-B2CB-17B18F8A3F4A}" type="datetime2">
               <a:rPr lang="en-US" smtClean="0"/>
-              <a:t>Wednesday, June 21, 2023</a:t>
+              <a:t>Thursday, June 22, 2023</a:t>
             </a:fld>
             <a:endParaRPr lang="en-US"/>
           </a:p>
@@ -2194,7 +2195,7 @@
           <a:p>
             <a:fld id="{6FE8C025-CD7A-4966-867E-81CF82B15267}" type="datetime2">
               <a:rPr lang="en-US" smtClean="0"/>
-              <a:t>Wednesday, June 21, 2023</a:t>
+              <a:t>Thursday, June 22, 2023</a:t>
             </a:fld>
             <a:endParaRPr lang="en-US"/>
           </a:p>
@@ -2814,7 +2815,7 @@
           <a:p>
             <a:fld id="{FE809929-0719-4517-94D6-FDF7F99E70F6}" type="datetime2">
               <a:rPr lang="en-US" smtClean="0"/>
-              <a:t>Wednesday, June 21, 2023</a:t>
+              <a:t>Thursday, June 22, 2023</a:t>
             </a:fld>
             <a:endParaRPr lang="en-US"/>
           </a:p>
@@ -3932,7 +3933,7 @@
           <a:p>
             <a:fld id="{20E95673-5512-4AAA-9AEB-E00C61EC65D5}" type="datetime2">
               <a:rPr lang="en-US" smtClean="0"/>
-              <a:t>Wednesday, June 21, 2023</a:t>
+              <a:t>Thursday, June 22, 2023</a:t>
             </a:fld>
             <a:endParaRPr lang="en-US"/>
           </a:p>
@@ -4479,7 +4480,7 @@
           <a:p>
             <a:fld id="{C13138FA-2E87-4873-8BBA-13E447C9A99A}" type="datetime2">
               <a:rPr lang="en-US" smtClean="0"/>
-              <a:t>Wednesday, June 21, 2023</a:t>
+              <a:t>Thursday, June 22, 2023</a:t>
             </a:fld>
             <a:endParaRPr lang="en-US"/>
           </a:p>
@@ -4640,7 +4641,7 @@
           <a:p>
             <a:fld id="{D75BB40A-97BD-4BFB-B639-0BFF95FDE8B7}" type="datetime2">
               <a:rPr lang="en-US" smtClean="0"/>
-              <a:t>Wednesday, June 21, 2023</a:t>
+              <a:t>Thursday, June 22, 2023</a:t>
             </a:fld>
             <a:endParaRPr lang="en-US"/>
           </a:p>
@@ -5675,7 +5676,7 @@
           <a:p>
             <a:fld id="{9EE9E0E3-ECF6-4CFE-8698-AEFEBCECC3C0}" type="datetime2">
               <a:rPr lang="en-US" smtClean="0"/>
-              <a:t>Wednesday, June 21, 2023</a:t>
+              <a:t>Thursday, June 22, 2023</a:t>
             </a:fld>
             <a:endParaRPr lang="en-US"/>
           </a:p>
@@ -6321,7 +6322,7 @@
           <a:p>
             <a:fld id="{251462FC-960E-4740-921F-B36862979F21}" type="datetime2">
               <a:rPr lang="en-US" smtClean="0"/>
-              <a:t>Wednesday, June 21, 2023</a:t>
+              <a:t>Thursday, June 22, 2023</a:t>
             </a:fld>
             <a:endParaRPr lang="en-US"/>
           </a:p>
@@ -7085,7 +7086,7 @@
           <a:p>
             <a:fld id="{E50BC9E2-CB44-4C05-9BB5-496C18A241E0}" type="datetime2">
               <a:rPr lang="en-US" smtClean="0"/>
-              <a:t>Wednesday, June 21, 2023</a:t>
+              <a:t>Thursday, June 22, 2023</a:t>
             </a:fld>
             <a:endParaRPr lang="en-US"/>
           </a:p>
@@ -7338,7 +7339,7 @@
           <a:p>
             <a:fld id="{246CB39B-5F4C-4A7E-9BE3-AAFD45576D16}" type="datetime2">
               <a:rPr lang="en-US" smtClean="0"/>
-              <a:t>Wednesday, June 21, 2023</a:t>
+              <a:t>Thursday, June 22, 2023</a:t>
             </a:fld>
             <a:endParaRPr lang="en-US" dirty="0"/>
           </a:p>
@@ -7806,7 +7807,7 @@
                 <a16:creationId xmlns:a16="http://schemas.microsoft.com/office/drawing/2014/main" id="{1DB043B4-68C6-45B9-82AC-A5800EADB8DB}"/>
               </a:ext>
               <a:ext uri="{C183D7F6-B498-43B3-948B-1728B52AA6E4}">
-                <adec:decorative xmlns:adec="http://schemas.microsoft.com/office/drawing/2017/decorative" xmlns="" val="1"/>
+                <adec:decorative xmlns="" xmlns:adec="http://schemas.microsoft.com/office/drawing/2017/decorative" val="1"/>
               </a:ext>
             </a:extLst>
           </p:cNvPr>
@@ -7917,7 +7918,7 @@
                 <a16:creationId xmlns:a16="http://schemas.microsoft.com/office/drawing/2014/main" id="{BEBFBB3C-FA07-4A06-A8D8-D690F92A2817}"/>
               </a:ext>
               <a:ext uri="{C183D7F6-B498-43B3-948B-1728B52AA6E4}">
-                <adec:decorative xmlns:adec="http://schemas.microsoft.com/office/drawing/2017/decorative" xmlns="" val="1"/>
+                <adec:decorative xmlns="" xmlns:adec="http://schemas.microsoft.com/office/drawing/2017/decorative" val="1"/>
               </a:ext>
             </a:extLst>
           </p:cNvPr>
@@ -8090,6 +8091,193 @@
 <file path=ppt/slides/slide2.xml><?xml version="1.0" encoding="utf-8"?>
 <p:sld xmlns:a="http://schemas.openxmlformats.org/drawingml/2006/main" xmlns:r="http://schemas.openxmlformats.org/officeDocument/2006/relationships" xmlns:p="http://schemas.openxmlformats.org/presentationml/2006/main">
   <p:cSld>
+    <p:spTree>
+      <p:nvGrpSpPr>
+        <p:cNvPr id="1" name=""/>
+        <p:cNvGrpSpPr/>
+        <p:nvPr/>
+      </p:nvGrpSpPr>
+      <p:grpSpPr>
+        <a:xfrm>
+          <a:off x="0" y="0"/>
+          <a:ext cx="0" cy="0"/>
+          <a:chOff x="0" y="0"/>
+          <a:chExt cx="0" cy="0"/>
+        </a:xfrm>
+      </p:grpSpPr>
+      <p:sp>
+        <p:nvSpPr>
+          <p:cNvPr id="2" name="Title 1"/>
+          <p:cNvSpPr>
+            <a:spLocks noGrp="1"/>
+          </p:cNvSpPr>
+          <p:nvPr>
+            <p:ph type="title"/>
+          </p:nvPr>
+        </p:nvSpPr>
+        <p:spPr/>
+        <p:txBody>
+          <a:bodyPr>
+            <a:normAutofit fontScale="90000"/>
+          </a:bodyPr>
+          <a:lstStyle/>
+          <a:p>
+            <a:r>
+              <a:rPr lang="en-US" dirty="0" smtClean="0"/>
+              <a:t>Dashboard overview</a:t>
+            </a:r>
+            <a:br>
+              <a:rPr lang="en-US" dirty="0" smtClean="0"/>
+            </a:br>
+            <a:endParaRPr lang="en-US" dirty="0"/>
+          </a:p>
+        </p:txBody>
+      </p:sp>
+      <p:pic>
+        <p:nvPicPr>
+          <p:cNvPr id="4" name="Content Placeholder 3"/>
+          <p:cNvPicPr>
+            <a:picLocks noGrp="1" noChangeAspect="1"/>
+          </p:cNvPicPr>
+          <p:nvPr>
+            <p:ph idx="1"/>
+          </p:nvPr>
+        </p:nvPicPr>
+        <p:blipFill>
+          <a:blip r:embed="rId2"/>
+          <a:stretch>
+            <a:fillRect/>
+          </a:stretch>
+        </p:blipFill>
+        <p:spPr>
+          <a:xfrm>
+            <a:off x="1593669" y="2112963"/>
+            <a:ext cx="8770297" cy="3979862"/>
+          </a:xfrm>
+          <a:prstGeom prst="rect">
+            <a:avLst/>
+          </a:prstGeom>
+        </p:spPr>
+      </p:pic>
+    </p:spTree>
+    <p:extLst>
+      <p:ext uri="{BB962C8B-B14F-4D97-AF65-F5344CB8AC3E}">
+        <p14:creationId xmlns:p14="http://schemas.microsoft.com/office/powerpoint/2010/main" val="3076797122"/>
+      </p:ext>
+    </p:extLst>
+  </p:cSld>
+  <p:clrMapOvr>
+    <a:masterClrMapping/>
+  </p:clrMapOvr>
+</p:sld>
+</file>
+
+<file path=ppt/slides/slide3.xml><?xml version="1.0" encoding="utf-8"?>
+<p:sld xmlns:a="http://schemas.openxmlformats.org/drawingml/2006/main" xmlns:r="http://schemas.openxmlformats.org/officeDocument/2006/relationships" xmlns:p="http://schemas.openxmlformats.org/presentationml/2006/main">
+  <p:cSld>
+    <p:spTree>
+      <p:nvGrpSpPr>
+        <p:cNvPr id="1" name=""/>
+        <p:cNvGrpSpPr/>
+        <p:nvPr/>
+      </p:nvGrpSpPr>
+      <p:grpSpPr>
+        <a:xfrm>
+          <a:off x="0" y="0"/>
+          <a:ext cx="0" cy="0"/>
+          <a:chOff x="0" y="0"/>
+          <a:chExt cx="0" cy="0"/>
+        </a:xfrm>
+      </p:grpSpPr>
+      <p:sp>
+        <p:nvSpPr>
+          <p:cNvPr id="2" name="Title 1"/>
+          <p:cNvSpPr>
+            <a:spLocks noGrp="1"/>
+          </p:cNvSpPr>
+          <p:nvPr>
+            <p:ph type="title"/>
+          </p:nvPr>
+        </p:nvSpPr>
+        <p:spPr/>
+        <p:txBody>
+          <a:bodyPr/>
+          <a:lstStyle/>
+          <a:p>
+            <a:r>
+              <a:rPr lang="en-US" dirty="0" err="1" smtClean="0"/>
+              <a:t>ChatBot</a:t>
+            </a:r>
+            <a:endParaRPr lang="en-US" dirty="0"/>
+          </a:p>
+        </p:txBody>
+      </p:sp>
+      <p:sp>
+        <p:nvSpPr>
+          <p:cNvPr id="5" name="Content Placeholder 4"/>
+          <p:cNvSpPr>
+            <a:spLocks noGrp="1"/>
+          </p:cNvSpPr>
+          <p:nvPr>
+            <p:ph idx="1"/>
+          </p:nvPr>
+        </p:nvSpPr>
+        <p:spPr>
+          <a:xfrm flipV="1">
+            <a:off x="550863" y="2067480"/>
+            <a:ext cx="529000" cy="45719"/>
+          </a:xfrm>
+        </p:spPr>
+        <p:txBody>
+          <a:bodyPr>
+            <a:normAutofit fontScale="25000" lnSpcReduction="20000"/>
+          </a:bodyPr>
+          <a:lstStyle/>
+          <a:p>
+            <a:endParaRPr lang="en-US" dirty="0"/>
+          </a:p>
+        </p:txBody>
+      </p:sp>
+      <p:pic>
+        <p:nvPicPr>
+          <p:cNvPr id="7" name="Picture 6"/>
+          <p:cNvPicPr>
+            <a:picLocks noChangeAspect="1"/>
+          </p:cNvPicPr>
+          <p:nvPr/>
+        </p:nvPicPr>
+        <p:blipFill>
+          <a:blip r:embed="rId2"/>
+          <a:stretch>
+            <a:fillRect/>
+          </a:stretch>
+        </p:blipFill>
+        <p:spPr>
+          <a:xfrm>
+            <a:off x="550862" y="1977390"/>
+            <a:ext cx="7570809" cy="3509010"/>
+          </a:xfrm>
+          <a:prstGeom prst="rect">
+            <a:avLst/>
+          </a:prstGeom>
+        </p:spPr>
+      </p:pic>
+    </p:spTree>
+    <p:extLst>
+      <p:ext uri="{BB962C8B-B14F-4D97-AF65-F5344CB8AC3E}">
+        <p14:creationId xmlns:p14="http://schemas.microsoft.com/office/powerpoint/2010/main" val="1624259018"/>
+      </p:ext>
+    </p:extLst>
+  </p:cSld>
+  <p:clrMapOvr>
+    <a:masterClrMapping/>
+  </p:clrMapOvr>
+</p:sld>
+</file>
+
+<file path=ppt/slides/slide4.xml><?xml version="1.0" encoding="utf-8"?>
+<p:sld xmlns:a="http://schemas.openxmlformats.org/drawingml/2006/main" xmlns:r="http://schemas.openxmlformats.org/officeDocument/2006/relationships" xmlns:p="http://schemas.openxmlformats.org/presentationml/2006/main">
+  <p:cSld>
     <p:bg>
       <p:bgPr>
         <a:solidFill>
@@ -8120,7 +8308,7 @@
                 <a16:creationId xmlns:a16="http://schemas.microsoft.com/office/drawing/2014/main" id="{82184FF4-7029-4ED7-813A-192E60608764}"/>
               </a:ext>
               <a:ext uri="{C183D7F6-B498-43B3-948B-1728B52AA6E4}">
-                <adec:decorative xmlns:adec="http://schemas.microsoft.com/office/drawing/2017/decorative" xmlns="" val="1"/>
+                <adec:decorative xmlns="" xmlns:adec="http://schemas.microsoft.com/office/drawing/2017/decorative" val="1"/>
               </a:ext>
             </a:extLst>
           </p:cNvPr>
@@ -8264,7 +8452,7 @@
                 <a16:creationId xmlns:a16="http://schemas.microsoft.com/office/drawing/2014/main" id="{AAA7AB09-557C-41AD-9113-FF9F68FA1035}"/>
               </a:ext>
               <a:ext uri="{C183D7F6-B498-43B3-948B-1728B52AA6E4}">
-                <adec:decorative xmlns:adec="http://schemas.microsoft.com/office/drawing/2017/decorative" xmlns="" val="1"/>
+                <adec:decorative xmlns="" xmlns:adec="http://schemas.microsoft.com/office/drawing/2017/decorative" val="1"/>
               </a:ext>
             </a:extLst>
           </p:cNvPr>
@@ -8355,7 +8543,7 @@
                 <a16:creationId xmlns:a16="http://schemas.microsoft.com/office/drawing/2014/main" id="{EF99ECAA-1F11-4937-BBA6-51935AB44C9D}"/>
               </a:ext>
               <a:ext uri="{C183D7F6-B498-43B3-948B-1728B52AA6E4}">
-                <adec:decorative xmlns:adec="http://schemas.microsoft.com/office/drawing/2017/decorative" xmlns="" val="1"/>
+                <adec:decorative xmlns="" xmlns:adec="http://schemas.microsoft.com/office/drawing/2017/decorative" val="1"/>
               </a:ext>
             </a:extLst>
           </p:cNvPr>
@@ -8447,7 +8635,7 @@
                 <a16:creationId xmlns:a16="http://schemas.microsoft.com/office/drawing/2014/main" id="{79DE9FAB-6BBA-4CFE-B67D-77B47F01ECA4}"/>
               </a:ext>
               <a:ext uri="{C183D7F6-B498-43B3-948B-1728B52AA6E4}">
-                <adec:decorative xmlns:adec="http://schemas.microsoft.com/office/drawing/2017/decorative" xmlns="" val="1"/>
+                <adec:decorative xmlns="" xmlns:adec="http://schemas.microsoft.com/office/drawing/2017/decorative" val="1"/>
               </a:ext>
             </a:extLst>
           </p:cNvPr>
@@ -8478,7 +8666,7 @@
                   <a16:creationId xmlns:a16="http://schemas.microsoft.com/office/drawing/2014/main" id="{79FAC916-D9BB-4794-81B4-7C47C67E850D}"/>
                 </a:ext>
                 <a:ext uri="{C183D7F6-B498-43B3-948B-1728B52AA6E4}">
-                  <adec:decorative xmlns:adec="http://schemas.microsoft.com/office/drawing/2017/decorative" xmlns="" val="1"/>
+                  <adec:decorative xmlns="" xmlns:adec="http://schemas.microsoft.com/office/drawing/2017/decorative" val="1"/>
                 </a:ext>
               </a:extLst>
             </p:cNvPr>
@@ -8625,7 +8813,7 @@
                   <a16:creationId xmlns:a16="http://schemas.microsoft.com/office/drawing/2014/main" id="{B5CA2231-7A65-4D16-8400-A210CC41DB73}"/>
                 </a:ext>
                 <a:ext uri="{C183D7F6-B498-43B3-948B-1728B52AA6E4}">
-                  <adec:decorative xmlns:adec="http://schemas.microsoft.com/office/drawing/2017/decorative" xmlns="" val="1"/>
+                  <adec:decorative xmlns="" xmlns:adec="http://schemas.microsoft.com/office/drawing/2017/decorative" val="1"/>
                 </a:ext>
               </a:extLst>
             </p:cNvPr>
@@ -8774,7 +8962,7 @@
                   <a16:creationId xmlns:a16="http://schemas.microsoft.com/office/drawing/2014/main" id="{4B089C8C-B82B-4704-88E2-E857A5E21529}"/>
                 </a:ext>
                 <a:ext uri="{C183D7F6-B498-43B3-948B-1728B52AA6E4}">
-                  <adec:decorative xmlns:adec="http://schemas.microsoft.com/office/drawing/2017/decorative" xmlns="" val="1"/>
+                  <adec:decorative xmlns="" xmlns:adec="http://schemas.microsoft.com/office/drawing/2017/decorative" val="1"/>
                 </a:ext>
               </a:extLst>
             </p:cNvPr>
@@ -8852,7 +9040,7 @@
                   <a16:creationId xmlns:a16="http://schemas.microsoft.com/office/drawing/2014/main" id="{434B90C8-5B4D-456E-AD99-80EF748FDD72}"/>
                 </a:ext>
                 <a:ext uri="{C183D7F6-B498-43B3-948B-1728B52AA6E4}">
-                  <adec:decorative xmlns:adec="http://schemas.microsoft.com/office/drawing/2017/decorative" xmlns="" val="1"/>
+                  <adec:decorative xmlns="" xmlns:adec="http://schemas.microsoft.com/office/drawing/2017/decorative" val="1"/>
                 </a:ext>
               </a:extLst>
             </p:cNvPr>
@@ -8931,7 +9119,7 @@
                 <a16:creationId xmlns:a16="http://schemas.microsoft.com/office/drawing/2014/main" id="{1DB043B4-68C6-45B9-82AC-A5800EADB8DB}"/>
               </a:ext>
               <a:ext uri="{C183D7F6-B498-43B3-948B-1728B52AA6E4}">
-                <adec:decorative xmlns:adec="http://schemas.microsoft.com/office/drawing/2017/decorative" xmlns="" val="1"/>
+                <adec:decorative xmlns="" xmlns:adec="http://schemas.microsoft.com/office/drawing/2017/decorative" val="1"/>
               </a:ext>
             </a:extLst>
           </p:cNvPr>
@@ -9007,7 +9195,7 @@
                 <a16:creationId xmlns:a16="http://schemas.microsoft.com/office/drawing/2014/main" id="{28A00A08-E4E6-4184-B484-E0E034072AE0}"/>
               </a:ext>
               <a:ext uri="{C183D7F6-B498-43B3-948B-1728B52AA6E4}">
-                <adec:decorative xmlns:adec="http://schemas.microsoft.com/office/drawing/2017/decorative" xmlns="" val="1"/>
+                <adec:decorative xmlns="" xmlns:adec="http://schemas.microsoft.com/office/drawing/2017/decorative" val="1"/>
               </a:ext>
             </a:extLst>
           </p:cNvPr>
@@ -9099,7 +9287,7 @@
                 <a16:creationId xmlns:a16="http://schemas.microsoft.com/office/drawing/2014/main" id="{0780E404-3121-4F33-AF2D-65F659A97798}"/>
               </a:ext>
               <a:ext uri="{C183D7F6-B498-43B3-948B-1728B52AA6E4}">
-                <adec:decorative xmlns:adec="http://schemas.microsoft.com/office/drawing/2017/decorative" xmlns="" val="1"/>
+                <adec:decorative xmlns="" xmlns:adec="http://schemas.microsoft.com/office/drawing/2017/decorative" val="1"/>
               </a:ext>
             </a:extLst>
           </p:cNvPr>
@@ -9130,7 +9318,7 @@
                   <a16:creationId xmlns:a16="http://schemas.microsoft.com/office/drawing/2014/main" id="{2339341D-8322-49F1-91DA-6D115CCAE7AB}"/>
                 </a:ext>
                 <a:ext uri="{C183D7F6-B498-43B3-948B-1728B52AA6E4}">
-                  <adec:decorative xmlns:adec="http://schemas.microsoft.com/office/drawing/2017/decorative" xmlns="" val="1"/>
+                  <adec:decorative xmlns="" xmlns:adec="http://schemas.microsoft.com/office/drawing/2017/decorative" val="1"/>
                 </a:ext>
               </a:extLst>
             </p:cNvPr>
@@ -9361,7 +9549,7 @@
                   <a16:creationId xmlns:a16="http://schemas.microsoft.com/office/drawing/2014/main" id="{7EB9DB0E-3B0E-411A-9274-448D565CA491}"/>
                 </a:ext>
                 <a:ext uri="{C183D7F6-B498-43B3-948B-1728B52AA6E4}">
-                  <adec:decorative xmlns:adec="http://schemas.microsoft.com/office/drawing/2017/decorative" xmlns="" val="1"/>
+                  <adec:decorative xmlns="" xmlns:adec="http://schemas.microsoft.com/office/drawing/2017/decorative" val="1"/>
                 </a:ext>
               </a:extLst>
             </p:cNvPr>
@@ -9487,7 +9675,7 @@
                 <a16:creationId xmlns:a16="http://schemas.microsoft.com/office/drawing/2014/main" id="{4B158E9A-DBF4-4AA7-B6B7-8C8EB2FBDD68}"/>
               </a:ext>
               <a:ext uri="{C183D7F6-B498-43B3-948B-1728B52AA6E4}">
-                <adec:decorative xmlns:adec="http://schemas.microsoft.com/office/drawing/2017/decorative" xmlns="" val="1"/>
+                <adec:decorative xmlns="" xmlns:adec="http://schemas.microsoft.com/office/drawing/2017/decorative" val="1"/>
               </a:ext>
             </a:extLst>
           </p:cNvPr>
@@ -9518,7 +9706,7 @@
                   <a16:creationId xmlns:a16="http://schemas.microsoft.com/office/drawing/2014/main" id="{6150ACFD-AEC6-42A3-A5A7-E7AD6B13E03E}"/>
                 </a:ext>
                 <a:ext uri="{C183D7F6-B498-43B3-948B-1728B52AA6E4}">
-                  <adec:decorative xmlns:adec="http://schemas.microsoft.com/office/drawing/2017/decorative" xmlns="" val="1"/>
+                  <adec:decorative xmlns="" xmlns:adec="http://schemas.microsoft.com/office/drawing/2017/decorative" val="1"/>
                 </a:ext>
               </a:extLst>
             </p:cNvPr>
@@ -9659,7 +9847,7 @@
                   <a16:creationId xmlns:a16="http://schemas.microsoft.com/office/drawing/2014/main" id="{DB4D1217-FEB1-4D2A-80F4-C227B66D72C6}"/>
                 </a:ext>
                 <a:ext uri="{C183D7F6-B498-43B3-948B-1728B52AA6E4}">
-                  <adec:decorative xmlns:adec="http://schemas.microsoft.com/office/drawing/2017/decorative" xmlns="" val="1"/>
+                  <adec:decorative xmlns="" xmlns:adec="http://schemas.microsoft.com/office/drawing/2017/decorative" val="1"/>
                 </a:ext>
               </a:extLst>
             </p:cNvPr>
@@ -9818,7 +10006,7 @@
                   <a16:creationId xmlns:a16="http://schemas.microsoft.com/office/drawing/2014/main" id="{0BCA7138-22BA-4785-8B3D-9D45213E85C9}"/>
                 </a:ext>
                 <a:ext uri="{C183D7F6-B498-43B3-948B-1728B52AA6E4}">
-                  <adec:decorative xmlns:adec="http://schemas.microsoft.com/office/drawing/2017/decorative" xmlns="" val="1"/>
+                  <adec:decorative xmlns="" xmlns:adec="http://schemas.microsoft.com/office/drawing/2017/decorative" val="1"/>
                 </a:ext>
               </a:extLst>
             </p:cNvPr>
@@ -10034,7 +10222,7 @@
 </p:sld>
 </file>
 
-<file path=ppt/slides/slide3.xml><?xml version="1.0" encoding="utf-8"?>
+<file path=ppt/slides/slide5.xml><?xml version="1.0" encoding="utf-8"?>
 <p:sld xmlns:a="http://schemas.openxmlformats.org/drawingml/2006/main" xmlns:r="http://schemas.openxmlformats.org/officeDocument/2006/relationships" xmlns:p="http://schemas.openxmlformats.org/presentationml/2006/main">
   <p:cSld>
     <p:bg>
@@ -10067,7 +10255,7 @@
                 <a16:creationId xmlns:a16="http://schemas.microsoft.com/office/drawing/2014/main" id="{A5931BE0-4B93-4D6C-878E-ACC59D6B4587}"/>
               </a:ext>
               <a:ext uri="{C183D7F6-B498-43B3-948B-1728B52AA6E4}">
-                <adec:decorative xmlns:adec="http://schemas.microsoft.com/office/drawing/2017/decorative" xmlns="" val="1"/>
+                <adec:decorative xmlns="" xmlns:adec="http://schemas.microsoft.com/office/drawing/2017/decorative" val="1"/>
               </a:ext>
             </a:extLst>
           </p:cNvPr>
@@ -10286,7 +10474,7 @@
                 <a16:creationId xmlns:a16="http://schemas.microsoft.com/office/drawing/2014/main" id="{183B29DA-9BB8-4BA8-B8E1-8C2B544078C7}"/>
               </a:ext>
               <a:ext uri="{C183D7F6-B498-43B3-948B-1728B52AA6E4}">
-                <adec:decorative xmlns:adec="http://schemas.microsoft.com/office/drawing/2017/decorative" xmlns="" val="1"/>
+                <adec:decorative xmlns="" xmlns:adec="http://schemas.microsoft.com/office/drawing/2017/decorative" val="1"/>
               </a:ext>
             </a:extLst>
           </p:cNvPr>
@@ -10317,7 +10505,7 @@
                   <a16:creationId xmlns:a16="http://schemas.microsoft.com/office/drawing/2014/main" id="{D02496F8-166D-469A-8040-08608013BF72}"/>
                 </a:ext>
                 <a:ext uri="{C183D7F6-B498-43B3-948B-1728B52AA6E4}">
-                  <adec:decorative xmlns:adec="http://schemas.microsoft.com/office/drawing/2017/decorative" xmlns="" val="1"/>
+                  <adec:decorative xmlns="" xmlns:adec="http://schemas.microsoft.com/office/drawing/2017/decorative" val="1"/>
                 </a:ext>
               </a:extLst>
             </p:cNvPr>
@@ -10461,7 +10649,7 @@
                   <a16:creationId xmlns:a16="http://schemas.microsoft.com/office/drawing/2014/main" id="{23E648A7-A02A-4DC7-9FEC-489F1BA6F77F}"/>
                 </a:ext>
                 <a:ext uri="{C183D7F6-B498-43B3-948B-1728B52AA6E4}">
-                  <adec:decorative xmlns:adec="http://schemas.microsoft.com/office/drawing/2017/decorative" xmlns="" val="1"/>
+                  <adec:decorative xmlns="" xmlns:adec="http://schemas.microsoft.com/office/drawing/2017/decorative" val="1"/>
                 </a:ext>
               </a:extLst>
             </p:cNvPr>
@@ -10621,7 +10809,7 @@
                   <a16:creationId xmlns:a16="http://schemas.microsoft.com/office/drawing/2014/main" id="{4EF573B1-38BC-4C7B-894C-BE3864A04ADD}"/>
                 </a:ext>
                 <a:ext uri="{C183D7F6-B498-43B3-948B-1728B52AA6E4}">
-                  <adec:decorative xmlns:adec="http://schemas.microsoft.com/office/drawing/2017/decorative" xmlns="" val="1"/>
+                  <adec:decorative xmlns="" xmlns:adec="http://schemas.microsoft.com/office/drawing/2017/decorative" val="1"/>
                 </a:ext>
               </a:extLst>
             </p:cNvPr>
@@ -10783,7 +10971,7 @@
                 <a16:creationId xmlns:a16="http://schemas.microsoft.com/office/drawing/2014/main" id="{647A77D8-817B-4A9F-86AA-FE781E813DBC}"/>
               </a:ext>
               <a:ext uri="{C183D7F6-B498-43B3-948B-1728B52AA6E4}">
-                <adec:decorative xmlns:adec="http://schemas.microsoft.com/office/drawing/2017/decorative" xmlns="" val="1"/>
+                <adec:decorative xmlns="" xmlns:adec="http://schemas.microsoft.com/office/drawing/2017/decorative" val="1"/>
               </a:ext>
             </a:extLst>
           </p:cNvPr>
@@ -10882,7 +11070,7 @@
 </p:sld>
 </file>
 
-<file path=ppt/slides/slide4.xml><?xml version="1.0" encoding="utf-8"?>
+<file path=ppt/slides/slide6.xml><?xml version="1.0" encoding="utf-8"?>
 <p:sld xmlns:a="http://schemas.openxmlformats.org/drawingml/2006/main" xmlns:r="http://schemas.openxmlformats.org/officeDocument/2006/relationships" xmlns:p="http://schemas.openxmlformats.org/presentationml/2006/main">
   <p:cSld>
     <p:spTree>
@@ -11012,91 +11200,7 @@
 </p:sld>
 </file>
 
-<file path=ppt/slides/slide5.xml><?xml version="1.0" encoding="utf-8"?>
-<p:sld xmlns:a="http://schemas.openxmlformats.org/drawingml/2006/main" xmlns:r="http://schemas.openxmlformats.org/officeDocument/2006/relationships" xmlns:p="http://schemas.openxmlformats.org/presentationml/2006/main">
-  <p:cSld>
-    <p:spTree>
-      <p:nvGrpSpPr>
-        <p:cNvPr id="1" name=""/>
-        <p:cNvGrpSpPr/>
-        <p:nvPr/>
-      </p:nvGrpSpPr>
-      <p:grpSpPr>
-        <a:xfrm>
-          <a:off x="0" y="0"/>
-          <a:ext cx="0" cy="0"/>
-          <a:chOff x="0" y="0"/>
-          <a:chExt cx="0" cy="0"/>
-        </a:xfrm>
-      </p:grpSpPr>
-      <p:sp>
-        <p:nvSpPr>
-          <p:cNvPr id="2" name="Title 1"/>
-          <p:cNvSpPr>
-            <a:spLocks noGrp="1"/>
-          </p:cNvSpPr>
-          <p:nvPr>
-            <p:ph type="title"/>
-          </p:nvPr>
-        </p:nvSpPr>
-        <p:spPr/>
-        <p:txBody>
-          <a:bodyPr>
-            <a:normAutofit fontScale="90000"/>
-          </a:bodyPr>
-          <a:lstStyle/>
-          <a:p>
-            <a:r>
-              <a:rPr lang="en-US" dirty="0" smtClean="0"/>
-              <a:t>Dashboard overview</a:t>
-            </a:r>
-            <a:br>
-              <a:rPr lang="en-US" dirty="0" smtClean="0"/>
-            </a:br>
-            <a:endParaRPr lang="en-US" dirty="0"/>
-          </a:p>
-        </p:txBody>
-      </p:sp>
-      <p:pic>
-        <p:nvPicPr>
-          <p:cNvPr id="4" name="Content Placeholder 3"/>
-          <p:cNvPicPr>
-            <a:picLocks noGrp="1" noChangeAspect="1"/>
-          </p:cNvPicPr>
-          <p:nvPr>
-            <p:ph idx="1"/>
-          </p:nvPr>
-        </p:nvPicPr>
-        <p:blipFill>
-          <a:blip r:embed="rId2"/>
-          <a:stretch>
-            <a:fillRect/>
-          </a:stretch>
-        </p:blipFill>
-        <p:spPr>
-          <a:xfrm>
-            <a:off x="1593669" y="2112963"/>
-            <a:ext cx="8770297" cy="3979862"/>
-          </a:xfrm>
-          <a:prstGeom prst="rect">
-            <a:avLst/>
-          </a:prstGeom>
-        </p:spPr>
-      </p:pic>
-    </p:spTree>
-    <p:extLst>
-      <p:ext uri="{BB962C8B-B14F-4D97-AF65-F5344CB8AC3E}">
-        <p14:creationId xmlns:p14="http://schemas.microsoft.com/office/powerpoint/2010/main" val="3076797122"/>
-      </p:ext>
-    </p:extLst>
-  </p:cSld>
-  <p:clrMapOvr>
-    <a:masterClrMapping/>
-  </p:clrMapOvr>
-</p:sld>
-</file>
-
-<file path=ppt/slides/slide6.xml><?xml version="1.0" encoding="utf-8"?>
+<file path=ppt/slides/slide7.xml><?xml version="1.0" encoding="utf-8"?>
 <p:sld xmlns:a="http://schemas.openxmlformats.org/drawingml/2006/main" xmlns:r="http://schemas.openxmlformats.org/officeDocument/2006/relationships" xmlns:p="http://schemas.openxmlformats.org/presentationml/2006/main">
   <p:cSld>
     <p:spTree>
